--- a/Presentation/Build_SAS_Studio_Flows_HOW_2025.pptx
+++ b/Presentation/Build_SAS_Studio_Flows_HOW_2025.pptx
@@ -173,7 +173,7 @@
   <pc:docChgLst>
     <pc:chgData name="Mary Kathryn Queen" userId="84c39bf2-31f3-4fd6-bfee-383e7464329b" providerId="ADAL" clId="{536A8073-2FA1-469E-A8F6-F4AC82695649}"/>
     <pc:docChg chg="undo custSel addSld delSld modSld sldOrd delSection modSection modNotesMaster modHandout">
-      <pc:chgData name="Mary Kathryn Queen" userId="84c39bf2-31f3-4fd6-bfee-383e7464329b" providerId="ADAL" clId="{536A8073-2FA1-469E-A8F6-F4AC82695649}" dt="2025-03-04T16:08:21.804" v="666" actId="12"/>
+      <pc:chgData name="Mary Kathryn Queen" userId="84c39bf2-31f3-4fd6-bfee-383e7464329b" providerId="ADAL" clId="{536A8073-2FA1-469E-A8F6-F4AC82695649}" dt="2025-03-05T16:40:01.170" v="725" actId="255"/>
       <pc:docMkLst>
         <pc:docMk/>
       </pc:docMkLst>
@@ -183,14 +183,6 @@
           <pc:docMk/>
           <pc:sldMk cId="2984871674" sldId="258"/>
         </pc:sldMkLst>
-        <pc:spChg chg="mod ord">
-          <ac:chgData name="Mary Kathryn Queen" userId="84c39bf2-31f3-4fd6-bfee-383e7464329b" providerId="ADAL" clId="{536A8073-2FA1-469E-A8F6-F4AC82695649}" dt="2025-03-03T20:06:05.191" v="306" actId="20577"/>
-          <ac:spMkLst>
-            <pc:docMk/>
-            <pc:sldMk cId="2984871674" sldId="258"/>
-            <ac:spMk id="2" creationId="{906B4A53-7C37-448C-9811-B888F924C5AF}"/>
-          </ac:spMkLst>
-        </pc:spChg>
       </pc:sldChg>
       <pc:sldChg chg="addSp delSp modSp add mod modClrScheme chgLayout modNotes modNotesTx">
         <pc:chgData name="Mary Kathryn Queen" userId="84c39bf2-31f3-4fd6-bfee-383e7464329b" providerId="ADAL" clId="{536A8073-2FA1-469E-A8F6-F4AC82695649}" dt="2025-03-04T16:03:50.550" v="652" actId="478"/>
@@ -403,14 +395,6 @@
             <ac:spMk id="14" creationId="{211F9CD0-8B03-4C0E-9ABB-29CD960395F6}"/>
           </ac:spMkLst>
         </pc:spChg>
-        <pc:spChg chg="del">
-          <ac:chgData name="Mary Kathryn Queen" userId="84c39bf2-31f3-4fd6-bfee-383e7464329b" providerId="ADAL" clId="{536A8073-2FA1-469E-A8F6-F4AC82695649}" dt="2025-03-03T20:08:31.633" v="349" actId="478"/>
-          <ac:spMkLst>
-            <pc:docMk/>
-            <pc:sldMk cId="3190803899" sldId="267"/>
-            <ac:spMk id="16" creationId="{3DD15F34-28D0-443B-BA4A-D1C9D05F79E1}"/>
-          </ac:spMkLst>
-        </pc:spChg>
         <pc:spChg chg="mod">
           <ac:chgData name="Mary Kathryn Queen" userId="84c39bf2-31f3-4fd6-bfee-383e7464329b" providerId="ADAL" clId="{536A8073-2FA1-469E-A8F6-F4AC82695649}" dt="2025-03-04T15:17:29.175" v="588" actId="1076"/>
           <ac:spMkLst>
@@ -445,7 +429,7 @@
         </pc:picChg>
       </pc:sldChg>
       <pc:sldChg chg="modSp mod modNotes modNotesTx">
-        <pc:chgData name="Mary Kathryn Queen" userId="84c39bf2-31f3-4fd6-bfee-383e7464329b" providerId="ADAL" clId="{536A8073-2FA1-469E-A8F6-F4AC82695649}" dt="2025-03-04T16:03:41.355" v="651" actId="478"/>
+        <pc:chgData name="Mary Kathryn Queen" userId="84c39bf2-31f3-4fd6-bfee-383e7464329b" providerId="ADAL" clId="{536A8073-2FA1-469E-A8F6-F4AC82695649}" dt="2025-03-05T16:37:31.354" v="670" actId="255"/>
         <pc:sldMkLst>
           <pc:docMk/>
           <pc:sldMk cId="680838034" sldId="2147477424"/>
@@ -475,8 +459,8 @@
           </ac:spMkLst>
         </pc:spChg>
       </pc:sldChg>
-      <pc:sldChg chg="modSp mod ord modNotes">
-        <pc:chgData name="Mary Kathryn Queen" userId="84c39bf2-31f3-4fd6-bfee-383e7464329b" providerId="ADAL" clId="{536A8073-2FA1-469E-A8F6-F4AC82695649}" dt="2025-03-04T16:04:00.454" v="654" actId="478"/>
+      <pc:sldChg chg="modSp mod ord modNotes modNotesTx">
+        <pc:chgData name="Mary Kathryn Queen" userId="84c39bf2-31f3-4fd6-bfee-383e7464329b" providerId="ADAL" clId="{536A8073-2FA1-469E-A8F6-F4AC82695649}" dt="2025-03-05T16:40:01.170" v="725" actId="255"/>
         <pc:sldMkLst>
           <pc:docMk/>
           <pc:sldMk cId="3710086338" sldId="2147477425"/>
@@ -541,46 +525,6 @@
           <pc:docMk/>
           <pc:sldMk cId="1555381374" sldId="2147477428"/>
         </pc:sldMkLst>
-        <pc:spChg chg="del mod ord">
-          <ac:chgData name="Mary Kathryn Queen" userId="84c39bf2-31f3-4fd6-bfee-383e7464329b" providerId="ADAL" clId="{536A8073-2FA1-469E-A8F6-F4AC82695649}" dt="2025-03-03T20:06:35.623" v="331" actId="700"/>
-          <ac:spMkLst>
-            <pc:docMk/>
-            <pc:sldMk cId="1555381374" sldId="2147477428"/>
-            <ac:spMk id="2" creationId="{39AA7727-3D5B-6CCD-DD39-6C016DE84BA8}"/>
-          </ac:spMkLst>
-        </pc:spChg>
-        <pc:spChg chg="del mod ord">
-          <ac:chgData name="Mary Kathryn Queen" userId="84c39bf2-31f3-4fd6-bfee-383e7464329b" providerId="ADAL" clId="{536A8073-2FA1-469E-A8F6-F4AC82695649}" dt="2025-03-03T20:06:35.623" v="331" actId="700"/>
-          <ac:spMkLst>
-            <pc:docMk/>
-            <pc:sldMk cId="1555381374" sldId="2147477428"/>
-            <ac:spMk id="3" creationId="{64FA89E2-5C9C-8E0A-B4E9-3FD473A33131}"/>
-          </ac:spMkLst>
-        </pc:spChg>
-        <pc:spChg chg="add mod ord">
-          <ac:chgData name="Mary Kathryn Queen" userId="84c39bf2-31f3-4fd6-bfee-383e7464329b" providerId="ADAL" clId="{536A8073-2FA1-469E-A8F6-F4AC82695649}" dt="2025-03-03T20:06:35.623" v="331" actId="700"/>
-          <ac:spMkLst>
-            <pc:docMk/>
-            <pc:sldMk cId="1555381374" sldId="2147477428"/>
-            <ac:spMk id="4" creationId="{E41F8D66-B15A-85CC-1F81-8813CC088D24}"/>
-          </ac:spMkLst>
-        </pc:spChg>
-        <pc:spChg chg="add mod ord">
-          <ac:chgData name="Mary Kathryn Queen" userId="84c39bf2-31f3-4fd6-bfee-383e7464329b" providerId="ADAL" clId="{536A8073-2FA1-469E-A8F6-F4AC82695649}" dt="2025-03-03T20:06:35.623" v="331" actId="700"/>
-          <ac:spMkLst>
-            <pc:docMk/>
-            <pc:sldMk cId="1555381374" sldId="2147477428"/>
-            <ac:spMk id="5" creationId="{F2010E50-8DFA-CBEC-6819-09D17493CFD8}"/>
-          </ac:spMkLst>
-        </pc:spChg>
-        <pc:spChg chg="add mod ord">
-          <ac:chgData name="Mary Kathryn Queen" userId="84c39bf2-31f3-4fd6-bfee-383e7464329b" providerId="ADAL" clId="{536A8073-2FA1-469E-A8F6-F4AC82695649}" dt="2025-03-03T20:06:35.623" v="331" actId="700"/>
-          <ac:spMkLst>
-            <pc:docMk/>
-            <pc:sldMk cId="1555381374" sldId="2147477428"/>
-            <ac:spMk id="6" creationId="{B6F53E1C-DA58-84DC-9091-2A774FBAA517}"/>
-          </ac:spMkLst>
-        </pc:spChg>
       </pc:sldChg>
       <pc:sldChg chg="del">
         <pc:chgData name="Mary Kathryn Queen" userId="84c39bf2-31f3-4fd6-bfee-383e7464329b" providerId="ADAL" clId="{536A8073-2FA1-469E-A8F6-F4AC82695649}" dt="2025-03-03T19:14:01.072" v="188" actId="47"/>
@@ -601,14 +545,6 @@
             <pc:docMk/>
             <pc:sldMk cId="3992154763" sldId="2147477429"/>
             <ac:spMk id="2" creationId="{6AE45561-2987-C313-523A-7DDA94A4F812}"/>
-          </ac:spMkLst>
-        </pc:spChg>
-        <pc:spChg chg="del">
-          <ac:chgData name="Mary Kathryn Queen" userId="84c39bf2-31f3-4fd6-bfee-383e7464329b" providerId="ADAL" clId="{536A8073-2FA1-469E-A8F6-F4AC82695649}" dt="2025-03-03T20:11:26.803" v="364" actId="931"/>
-          <ac:spMkLst>
-            <pc:docMk/>
-            <pc:sldMk cId="3992154763" sldId="2147477429"/>
-            <ac:spMk id="3" creationId="{609C028A-296E-39A2-BC41-56B32E68572A}"/>
           </ac:spMkLst>
         </pc:spChg>
         <pc:spChg chg="mod ord">
@@ -743,7 +679,7 @@
               <a:rPr lang="en-US" smtClean="0">
                 <a:latin typeface="Arial" panose="020B0604020202020204" pitchFamily="34" charset="0"/>
               </a:rPr>
-              <a:t>3/4/2025</a:t>
+              <a:t>3/5/2025</a:t>
             </a:fld>
             <a:endParaRPr lang="en-US" dirty="0">
               <a:latin typeface="Arial" panose="020B0604020202020204" pitchFamily="34" charset="0"/>
@@ -1366,7 +1302,21 @@
           <a:bodyPr/>
           <a:lstStyle/>
           <a:p>
-            <a:endParaRPr lang="en-US" dirty="0">
+            <a:pPr marL="0" indent="0">
+              <a:buNone/>
+            </a:pPr>
+            <a:r>
+              <a:rPr lang="en-US" sz="1600" b="0" i="0" dirty="0">
+                <a:solidFill>
+                  <a:srgbClr val="1F2328"/>
+                </a:solidFill>
+                <a:effectLst/>
+                <a:latin typeface="Arial" panose="020B0604020202020204" pitchFamily="34" charset="0"/>
+                <a:cs typeface="Arial" panose="020B0604020202020204" pitchFamily="34" charset="0"/>
+              </a:rPr>
+              <a:t>SAS® Studio Flows provide a visual, drag-and-drop interface within SAS® Studio that allows users to build, manage, and execute complex analytics workflows without writing code. In this hands-on workshop you'll learn to build a flow using steps to access, prepare, and analyze your data.</a:t>
+            </a:r>
+            <a:endParaRPr lang="en-US" sz="1600" dirty="0">
               <a:latin typeface="Arial" panose="020B0604020202020204" pitchFamily="34" charset="0"/>
               <a:cs typeface="Arial" panose="020B0604020202020204" pitchFamily="34" charset="0"/>
             </a:endParaRPr>
@@ -1824,7 +1774,21 @@
           <a:bodyPr/>
           <a:lstStyle/>
           <a:p>
-            <a:endParaRPr lang="en-US"/>
+            <a:pPr marL="0" indent="0">
+              <a:buNone/>
+            </a:pPr>
+            <a:r>
+              <a:rPr lang="en-US" sz="1400" dirty="0"/>
+              <a:t>Steps in </a:t>
+            </a:r>
+            <a:r>
+              <a:rPr lang="en-US" sz="1400" b="1" dirty="0"/>
+              <a:t>Build_SAS_Studio_Flow.pdf </a:t>
+            </a:r>
+            <a:r>
+              <a:rPr lang="en-US" sz="1400" dirty="0"/>
+              <a:t>located here: https://github.com/SAS-Innovate-2025/Build-SAS-Studio-Flows/tree/main</a:t>
+            </a:r>
           </a:p>
         </p:txBody>
       </p:sp>
@@ -2525,7 +2489,7 @@
         <p:fade/>
       </p:transition>
     </mc:Choice>
-    <mc:Fallback xmlns="" xmlns:a16="http://schemas.microsoft.com/office/drawing/2014/main">
+    <mc:Fallback xmlns:a16="http://schemas.microsoft.com/office/drawing/2014/main" xmlns="">
       <p:transition spd="med">
         <p:fade/>
       </p:transition>
@@ -2586,7 +2550,7 @@
         <p:fade/>
       </p:transition>
     </mc:Choice>
-    <mc:Fallback xmlns="" xmlns:a16="http://schemas.microsoft.com/office/drawing/2014/main">
+    <mc:Fallback xmlns:a16="http://schemas.microsoft.com/office/drawing/2014/main" xmlns="">
       <p:transition spd="med">
         <p:fade/>
       </p:transition>
@@ -2739,7 +2703,7 @@
         <p:fade/>
       </p:transition>
     </mc:Choice>
-    <mc:Fallback xmlns="" xmlns:asvg="http://schemas.microsoft.com/office/drawing/2016/SVG/main" xmlns:a14="http://schemas.microsoft.com/office/drawing/2010/main" xmlns:a16="http://schemas.microsoft.com/office/drawing/2014/main">
+    <mc:Fallback xmlns:a16="http://schemas.microsoft.com/office/drawing/2014/main" xmlns:a14="http://schemas.microsoft.com/office/drawing/2010/main" xmlns:asvg="http://schemas.microsoft.com/office/drawing/2016/SVG/main" xmlns="">
       <p:transition spd="med">
         <p:fade/>
       </p:transition>
@@ -2871,7 +2835,7 @@
         <p:fade/>
       </p:transition>
     </mc:Choice>
-    <mc:Fallback xmlns:a16="http://schemas.microsoft.com/office/drawing/2014/main" xmlns="">
+    <mc:Fallback xmlns="" xmlns:a16="http://schemas.microsoft.com/office/drawing/2014/main">
       <p:transition spd="med">
         <p:fade/>
       </p:transition>
@@ -3079,7 +3043,7 @@
         <p:fade/>
       </p:transition>
     </mc:Choice>
-    <mc:Fallback xmlns="" xmlns:a16="http://schemas.microsoft.com/office/drawing/2014/main">
+    <mc:Fallback xmlns:a16="http://schemas.microsoft.com/office/drawing/2014/main" xmlns="">
       <p:transition spd="med">
         <p:fade/>
       </p:transition>
@@ -3450,7 +3414,7 @@
         <p:fade/>
       </p:transition>
     </mc:Choice>
-    <mc:Fallback xmlns="" xmlns:a16="http://schemas.microsoft.com/office/drawing/2014/main">
+    <mc:Fallback xmlns:a16="http://schemas.microsoft.com/office/drawing/2014/main" xmlns="">
       <p:transition spd="med">
         <p:fade/>
       </p:transition>
@@ -3757,7 +3721,7 @@
         <p:fade/>
       </p:transition>
     </mc:Choice>
-    <mc:Fallback xmlns="" xmlns:asvg="http://schemas.microsoft.com/office/drawing/2016/SVG/main" xmlns:a14="http://schemas.microsoft.com/office/drawing/2010/main" xmlns:a16="http://schemas.microsoft.com/office/drawing/2014/main">
+    <mc:Fallback xmlns:a16="http://schemas.microsoft.com/office/drawing/2014/main" xmlns:a14="http://schemas.microsoft.com/office/drawing/2010/main" xmlns:asvg="http://schemas.microsoft.com/office/drawing/2016/SVG/main" xmlns="">
       <p:transition spd="med">
         <p:fade/>
       </p:transition>
@@ -3840,7 +3804,7 @@
         <p:fade/>
       </p:transition>
     </mc:Choice>
-    <mc:Fallback xmlns="" xmlns:a16="http://schemas.microsoft.com/office/drawing/2014/main">
+    <mc:Fallback xmlns:a16="http://schemas.microsoft.com/office/drawing/2014/main" xmlns="">
       <p:transition spd="med">
         <p:fade/>
       </p:transition>
@@ -3981,7 +3945,7 @@
         <p:fade/>
       </p:transition>
     </mc:Choice>
-    <mc:Fallback xmlns="" xmlns:a16="http://schemas.microsoft.com/office/drawing/2014/main">
+    <mc:Fallback xmlns:a16="http://schemas.microsoft.com/office/drawing/2014/main" xmlns="">
       <p:transition spd="med">
         <p:fade/>
       </p:transition>
@@ -4187,7 +4151,7 @@
         <p:fade/>
       </p:transition>
     </mc:Choice>
-    <mc:Fallback xmlns="" xmlns:a16="http://schemas.microsoft.com/office/drawing/2014/main">
+    <mc:Fallback xmlns:a16="http://schemas.microsoft.com/office/drawing/2014/main" xmlns="">
       <p:transition spd="med">
         <p:fade/>
       </p:transition>
@@ -4462,7 +4426,7 @@
         <p:fade/>
       </p:transition>
     </mc:Choice>
-    <mc:Fallback xmlns="" xmlns:a16="http://schemas.microsoft.com/office/drawing/2014/main">
+    <mc:Fallback xmlns:a16="http://schemas.microsoft.com/office/drawing/2014/main" xmlns="">
       <p:transition spd="med">
         <p:fade/>
       </p:transition>
@@ -4753,7 +4717,7 @@
         <p:fade/>
       </p:transition>
     </mc:Choice>
-    <mc:Fallback xmlns="" xmlns:asvg="http://schemas.microsoft.com/office/drawing/2016/SVG/main" xmlns:a14="http://schemas.microsoft.com/office/drawing/2010/main" xmlns:a16="http://schemas.microsoft.com/office/drawing/2014/main">
+    <mc:Fallback xmlns:a16="http://schemas.microsoft.com/office/drawing/2014/main" xmlns:a14="http://schemas.microsoft.com/office/drawing/2010/main" xmlns:asvg="http://schemas.microsoft.com/office/drawing/2016/SVG/main" xmlns="">
       <p:transition spd="med">
         <p:fade/>
       </p:transition>
@@ -4844,7 +4808,7 @@
         <p:fade/>
       </p:transition>
     </mc:Choice>
-    <mc:Fallback xmlns="" xmlns:a16="http://schemas.microsoft.com/office/drawing/2014/main">
+    <mc:Fallback xmlns:a16="http://schemas.microsoft.com/office/drawing/2014/main" xmlns="">
       <p:transition spd="med">
         <p:fade/>
       </p:transition>
@@ -5009,7 +4973,7 @@
         <p:fade/>
       </p:transition>
     </mc:Choice>
-    <mc:Fallback xmlns="" xmlns:a16="http://schemas.microsoft.com/office/drawing/2014/main">
+    <mc:Fallback xmlns:a16="http://schemas.microsoft.com/office/drawing/2014/main" xmlns="">
       <p:transition spd="med">
         <p:fade/>
       </p:transition>
@@ -5297,7 +5261,7 @@
         <p:fade/>
       </p:transition>
     </mc:Choice>
-    <mc:Fallback xmlns="" xmlns:a16="http://schemas.microsoft.com/office/drawing/2014/main">
+    <mc:Fallback xmlns:a16="http://schemas.microsoft.com/office/drawing/2014/main" xmlns="">
       <p:transition spd="med">
         <p:fade/>
       </p:transition>
@@ -5342,7 +5306,7 @@
         <p:fade/>
       </p:transition>
     </mc:Choice>
-    <mc:Fallback xmlns="" xmlns:a16="http://schemas.microsoft.com/office/drawing/2014/main">
+    <mc:Fallback xmlns:a16="http://schemas.microsoft.com/office/drawing/2014/main" xmlns="">
       <p:transition spd="med">
         <p:fade/>
       </p:transition>
@@ -5478,7 +5442,7 @@
         <p:fade/>
       </p:transition>
     </mc:Choice>
-    <mc:Fallback xmlns="" xmlns:a16="http://schemas.microsoft.com/office/drawing/2014/main">
+    <mc:Fallback xmlns:a16="http://schemas.microsoft.com/office/drawing/2014/main" xmlns="">
       <p:transition spd="med">
         <p:fade/>
       </p:transition>
@@ -5619,7 +5583,7 @@
         <p:fade/>
       </p:transition>
     </mc:Choice>
-    <mc:Fallback xmlns="" xmlns:a16="http://schemas.microsoft.com/office/drawing/2014/main">
+    <mc:Fallback xmlns:a16="http://schemas.microsoft.com/office/drawing/2014/main" xmlns="">
       <p:transition spd="med">
         <p:fade/>
       </p:transition>
@@ -5825,7 +5789,7 @@
         <p:fade/>
       </p:transition>
     </mc:Choice>
-    <mc:Fallback xmlns="" xmlns:a16="http://schemas.microsoft.com/office/drawing/2014/main">
+    <mc:Fallback xmlns:a16="http://schemas.microsoft.com/office/drawing/2014/main" xmlns="">
       <p:transition spd="med">
         <p:fade/>
       </p:transition>
@@ -6100,7 +6064,7 @@
         <p:fade/>
       </p:transition>
     </mc:Choice>
-    <mc:Fallback xmlns="" xmlns:a16="http://schemas.microsoft.com/office/drawing/2014/main">
+    <mc:Fallback xmlns:a16="http://schemas.microsoft.com/office/drawing/2014/main" xmlns="">
       <p:transition spd="med">
         <p:fade/>
       </p:transition>
@@ -6191,7 +6155,7 @@
         <p:fade/>
       </p:transition>
     </mc:Choice>
-    <mc:Fallback xmlns="" xmlns:a16="http://schemas.microsoft.com/office/drawing/2014/main">
+    <mc:Fallback xmlns:a16="http://schemas.microsoft.com/office/drawing/2014/main" xmlns="">
       <p:transition spd="med">
         <p:fade/>
       </p:transition>
@@ -6356,7 +6320,7 @@
         <p:fade/>
       </p:transition>
     </mc:Choice>
-    <mc:Fallback xmlns="" xmlns:a16="http://schemas.microsoft.com/office/drawing/2014/main">
+    <mc:Fallback xmlns:a16="http://schemas.microsoft.com/office/drawing/2014/main" xmlns="">
       <p:transition spd="med">
         <p:fade/>
       </p:transition>
@@ -6644,7 +6608,7 @@
         <p:fade/>
       </p:transition>
     </mc:Choice>
-    <mc:Fallback xmlns="" xmlns:a16="http://schemas.microsoft.com/office/drawing/2014/main">
+    <mc:Fallback xmlns:a16="http://schemas.microsoft.com/office/drawing/2014/main" xmlns="">
       <p:transition spd="med">
         <p:fade/>
       </p:transition>
@@ -6889,7 +6853,7 @@
         <p:fade/>
       </p:transition>
     </mc:Choice>
-    <mc:Fallback xmlns="" xmlns:asvg="http://schemas.microsoft.com/office/drawing/2016/SVG/main" xmlns:a14="http://schemas.microsoft.com/office/drawing/2010/main" xmlns:a16="http://schemas.microsoft.com/office/drawing/2014/main">
+    <mc:Fallback xmlns:a16="http://schemas.microsoft.com/office/drawing/2014/main" xmlns:a14="http://schemas.microsoft.com/office/drawing/2010/main" xmlns:asvg="http://schemas.microsoft.com/office/drawing/2016/SVG/main" xmlns="">
       <p:transition spd="med">
         <p:fade/>
       </p:transition>
@@ -7571,7 +7535,7 @@
         <p:fade/>
       </p:transition>
     </mc:Choice>
-    <mc:Fallback xmlns="" xmlns:asvg="http://schemas.microsoft.com/office/drawing/2016/SVG/main" xmlns:a14="http://schemas.microsoft.com/office/drawing/2010/main" xmlns:a16="http://schemas.microsoft.com/office/drawing/2014/main">
+    <mc:Fallback xmlns:a16="http://schemas.microsoft.com/office/drawing/2014/main" xmlns:a14="http://schemas.microsoft.com/office/drawing/2010/main" xmlns:asvg="http://schemas.microsoft.com/office/drawing/2016/SVG/main" xmlns="">
       <p:transition spd="med">
         <p:fade/>
       </p:transition>
@@ -7989,7 +7953,7 @@
         <p:fade/>
       </p:transition>
     </mc:Choice>
-    <mc:Fallback xmlns="" xmlns:a16="http://schemas.microsoft.com/office/drawing/2014/main">
+    <mc:Fallback xmlns:a16="http://schemas.microsoft.com/office/drawing/2014/main" xmlns="">
       <p:transition spd="med">
         <p:fade/>
       </p:transition>
@@ -11294,7 +11258,7 @@
         <p:fade/>
       </p:transition>
     </mc:Choice>
-    <mc:Fallback xmlns="" xmlns:a16="http://schemas.microsoft.com/office/drawing/2014/main">
+    <mc:Fallback xmlns:a16="http://schemas.microsoft.com/office/drawing/2014/main" xmlns="">
       <p:transition spd="med">
         <p:fade/>
       </p:transition>
@@ -11568,7 +11532,7 @@
         <p:fade/>
       </p:transition>
     </mc:Choice>
-    <mc:Fallback xmlns="" xmlns:a16="http://schemas.microsoft.com/office/drawing/2014/main">
+    <mc:Fallback xmlns:a16="http://schemas.microsoft.com/office/drawing/2014/main" xmlns="">
       <p:transition spd="med">
         <p:fade/>
       </p:transition>
@@ -11674,7 +11638,7 @@
         <p:fade/>
       </p:transition>
     </mc:Choice>
-    <mc:Fallback xmlns="" xmlns:a16="http://schemas.microsoft.com/office/drawing/2014/main">
+    <mc:Fallback xmlns:a16="http://schemas.microsoft.com/office/drawing/2014/main" xmlns="">
       <p:transition spd="med">
         <p:fade/>
       </p:transition>
@@ -12821,6 +12785,26 @@
 </file>
 
 <file path=customXml/item1.xml><?xml version="1.0" encoding="utf-8"?>
+<?mso-contentType ?>
+<FormTemplates xmlns="http://schemas.microsoft.com/sharepoint/v3/contenttype/forms">
+  <Display>DocumentLibraryForm</Display>
+  <Edit>DocumentLibraryForm</Edit>
+  <New>DocumentLibraryForm</New>
+</FormTemplates>
+</file>
+
+<file path=customXml/item2.xml><?xml version="1.0" encoding="utf-8"?>
+<p:properties xmlns:p="http://schemas.microsoft.com/office/2006/metadata/properties" xmlns:xsi="http://www.w3.org/2001/XMLSchema-instance" xmlns:pc="http://schemas.microsoft.com/office/infopath/2007/PartnerControls">
+  <documentManagement>
+    <TaxCatchAll xmlns="c700f1b6-08c8-43a9-9095-8ba63316f813" xsi:nil="true"/>
+    <lcf76f155ced4ddcb4097134ff3c332f xmlns="bc7c5712-1bd6-4485-a66b-19f4c9d6ced6">
+      <Terms xmlns="http://schemas.microsoft.com/office/infopath/2007/PartnerControls"/>
+    </lcf76f155ced4ddcb4097134ff3c332f>
+  </documentManagement>
+</p:properties>
+</file>
+
+<file path=customXml/item3.xml><?xml version="1.0" encoding="utf-8"?>
 <ct:contentTypeSchema xmlns:ct="http://schemas.microsoft.com/office/2006/metadata/contentType" xmlns:ma="http://schemas.microsoft.com/office/2006/metadata/properties/metaAttributes" ct:_="" ma:_="" ma:contentTypeName="Document" ma:contentTypeID="0x010100F9FA865081BFAE45992A5D513CEC7A6B" ma:contentTypeVersion="15" ma:contentTypeDescription="Create a new document." ma:contentTypeScope="" ma:versionID="701c55a0972ac673c3a21526fc4d6de6">
   <xsd:schema xmlns:xsd="http://www.w3.org/2001/XMLSchema" xmlns:xs="http://www.w3.org/2001/XMLSchema" xmlns:p="http://schemas.microsoft.com/office/2006/metadata/properties" xmlns:ns2="bc7c5712-1bd6-4485-a66b-19f4c9d6ced6" xmlns:ns3="c700f1b6-08c8-43a9-9095-8ba63316f813" targetNamespace="http://schemas.microsoft.com/office/2006/metadata/properties" ma:root="true" ma:fieldsID="a5b4ce5c1c48f978c0c936403cfde143" ns2:_="" ns3:_="">
     <xsd:import namespace="bc7c5712-1bd6-4485-a66b-19f4c9d6ced6"/>
@@ -13055,41 +13039,10 @@
 </ct:contentTypeSchema>
 </file>
 
-<file path=customXml/item2.xml><?xml version="1.0" encoding="utf-8"?>
-<p:properties xmlns:p="http://schemas.microsoft.com/office/2006/metadata/properties" xmlns:xsi="http://www.w3.org/2001/XMLSchema-instance" xmlns:pc="http://schemas.microsoft.com/office/infopath/2007/PartnerControls">
-  <documentManagement>
-    <TaxCatchAll xmlns="c700f1b6-08c8-43a9-9095-8ba63316f813" xsi:nil="true"/>
-    <lcf76f155ced4ddcb4097134ff3c332f xmlns="bc7c5712-1bd6-4485-a66b-19f4c9d6ced6">
-      <Terms xmlns="http://schemas.microsoft.com/office/infopath/2007/PartnerControls"/>
-    </lcf76f155ced4ddcb4097134ff3c332f>
-  </documentManagement>
-</p:properties>
-</file>
-
-<file path=customXml/item3.xml><?xml version="1.0" encoding="utf-8"?>
-<?mso-contentType ?>
-<FormTemplates xmlns="http://schemas.microsoft.com/sharepoint/v3/contenttype/forms">
-  <Display>DocumentLibraryForm</Display>
-  <Edit>DocumentLibraryForm</Edit>
-  <New>DocumentLibraryForm</New>
-</FormTemplates>
-</file>
-
 <file path=customXml/itemProps1.xml><?xml version="1.0" encoding="utf-8"?>
-<ds:datastoreItem xmlns:ds="http://schemas.openxmlformats.org/officeDocument/2006/customXml" ds:itemID="{703D78BA-EF6C-47B7-BE8F-94CD7B3D54A6}">
+<ds:datastoreItem xmlns:ds="http://schemas.openxmlformats.org/officeDocument/2006/customXml" ds:itemID="{E3E925E4-5239-4639-A029-07B3CFD6A3F1}">
   <ds:schemaRefs>
-    <ds:schemaRef ds:uri="http://schemas.microsoft.com/office/2006/metadata/contentType"/>
-    <ds:schemaRef ds:uri="http://schemas.microsoft.com/office/2006/metadata/properties/metaAttributes"/>
-    <ds:schemaRef ds:uri="http://www.w3.org/2001/XMLSchema"/>
-    <ds:schemaRef ds:uri="http://schemas.microsoft.com/office/2006/metadata/properties"/>
-    <ds:schemaRef ds:uri="bc7c5712-1bd6-4485-a66b-19f4c9d6ced6"/>
-    <ds:schemaRef ds:uri="c700f1b6-08c8-43a9-9095-8ba63316f813"/>
-    <ds:schemaRef ds:uri="http://schemas.microsoft.com/office/2006/documentManagement/types"/>
-    <ds:schemaRef ds:uri="http://schemas.microsoft.com/office/infopath/2007/PartnerControls"/>
-    <ds:schemaRef ds:uri="http://schemas.openxmlformats.org/package/2006/metadata/core-properties"/>
-    <ds:schemaRef ds:uri="http://purl.org/dc/elements/1.1/"/>
-    <ds:schemaRef ds:uri="http://purl.org/dc/terms/"/>
-    <ds:schemaRef ds:uri="http://schemas.microsoft.com/internal/obd"/>
+    <ds:schemaRef ds:uri="http://schemas.microsoft.com/sharepoint/v3/contenttype/forms"/>
   </ds:schemaRefs>
 </ds:datastoreItem>
 </file>
@@ -13112,9 +13065,20 @@
 </file>
 
 <file path=customXml/itemProps3.xml><?xml version="1.0" encoding="utf-8"?>
-<ds:datastoreItem xmlns:ds="http://schemas.openxmlformats.org/officeDocument/2006/customXml" ds:itemID="{E3E925E4-5239-4639-A029-07B3CFD6A3F1}">
+<ds:datastoreItem xmlns:ds="http://schemas.openxmlformats.org/officeDocument/2006/customXml" ds:itemID="{703D78BA-EF6C-47B7-BE8F-94CD7B3D54A6}">
   <ds:schemaRefs>
-    <ds:schemaRef ds:uri="http://schemas.microsoft.com/sharepoint/v3/contenttype/forms"/>
+    <ds:schemaRef ds:uri="http://schemas.microsoft.com/office/2006/metadata/contentType"/>
+    <ds:schemaRef ds:uri="http://schemas.microsoft.com/office/2006/metadata/properties/metaAttributes"/>
+    <ds:schemaRef ds:uri="http://www.w3.org/2001/XMLSchema"/>
+    <ds:schemaRef ds:uri="http://schemas.microsoft.com/office/2006/metadata/properties"/>
+    <ds:schemaRef ds:uri="bc7c5712-1bd6-4485-a66b-19f4c9d6ced6"/>
+    <ds:schemaRef ds:uri="c700f1b6-08c8-43a9-9095-8ba63316f813"/>
+    <ds:schemaRef ds:uri="http://schemas.microsoft.com/office/2006/documentManagement/types"/>
+    <ds:schemaRef ds:uri="http://schemas.microsoft.com/office/infopath/2007/PartnerControls"/>
+    <ds:schemaRef ds:uri="http://schemas.openxmlformats.org/package/2006/metadata/core-properties"/>
+    <ds:schemaRef ds:uri="http://purl.org/dc/elements/1.1/"/>
+    <ds:schemaRef ds:uri="http://purl.org/dc/terms/"/>
+    <ds:schemaRef ds:uri="http://schemas.microsoft.com/internal/obd"/>
   </ds:schemaRefs>
 </ds:datastoreItem>
 </file>